--- a/Modules/03. Type construction and Advanced C#/05. Tuples, records and anonymous types.pptx
+++ b/Modules/03. Type construction and Advanced C#/05. Tuples, records and anonymous types.pptx
@@ -306,7 +306,7 @@
           <a:p>
             <a:fld id="{7172D7DD-4C94-4601-9FB2-14EBDFE40896}" type="datetimeFigureOut">
               <a:rPr lang="ru-RU" smtClean="0"/>
-              <a:t>27.06.2024</a:t>
+              <a:t>29.06.2024</a:t>
             </a:fld>
             <a:endParaRPr lang="ru-RU"/>
           </a:p>
@@ -476,7 +476,7 @@
           <a:p>
             <a:fld id="{7172D7DD-4C94-4601-9FB2-14EBDFE40896}" type="datetimeFigureOut">
               <a:rPr lang="ru-RU" smtClean="0"/>
-              <a:t>27.06.2024</a:t>
+              <a:t>29.06.2024</a:t>
             </a:fld>
             <a:endParaRPr lang="ru-RU"/>
           </a:p>
@@ -663,7 +663,7 @@
           <a:p>
             <a:fld id="{7172D7DD-4C94-4601-9FB2-14EBDFE40896}" type="datetimeFigureOut">
               <a:rPr lang="ru-RU" smtClean="0"/>
-              <a:t>27.06.2024</a:t>
+              <a:t>29.06.2024</a:t>
             </a:fld>
             <a:endParaRPr lang="ru-RU"/>
           </a:p>
@@ -811,7 +811,7 @@
           <a:p>
             <a:fld id="{EC94EC59-8FBD-4CB9-B5B6-26984AAED752}" type="datetimeFigureOut">
               <a:rPr lang="en-US" smtClean="0"/>
-              <a:t>6/27/2024</a:t>
+              <a:t>6/29/2024</a:t>
             </a:fld>
             <a:endParaRPr lang="en-US"/>
           </a:p>
@@ -1035,7 +1035,7 @@
           <a:p>
             <a:fld id="{7172D7DD-4C94-4601-9FB2-14EBDFE40896}" type="datetimeFigureOut">
               <a:rPr lang="ru-RU" smtClean="0"/>
-              <a:t>27.06.2024</a:t>
+              <a:t>29.06.2024</a:t>
             </a:fld>
             <a:endParaRPr lang="ru-RU"/>
           </a:p>
@@ -1288,7 +1288,7 @@
           <a:p>
             <a:fld id="{7172D7DD-4C94-4601-9FB2-14EBDFE40896}" type="datetimeFigureOut">
               <a:rPr lang="ru-RU" smtClean="0"/>
-              <a:t>27.06.2024</a:t>
+              <a:t>29.06.2024</a:t>
             </a:fld>
             <a:endParaRPr lang="ru-RU"/>
           </a:p>
@@ -1520,7 +1520,7 @@
           <a:p>
             <a:fld id="{7172D7DD-4C94-4601-9FB2-14EBDFE40896}" type="datetimeFigureOut">
               <a:rPr lang="ru-RU" smtClean="0"/>
-              <a:t>27.06.2024</a:t>
+              <a:t>29.06.2024</a:t>
             </a:fld>
             <a:endParaRPr lang="ru-RU"/>
           </a:p>
@@ -1887,7 +1887,7 @@
           <a:p>
             <a:fld id="{7172D7DD-4C94-4601-9FB2-14EBDFE40896}" type="datetimeFigureOut">
               <a:rPr lang="ru-RU" smtClean="0"/>
-              <a:t>27.06.2024</a:t>
+              <a:t>29.06.2024</a:t>
             </a:fld>
             <a:endParaRPr lang="ru-RU"/>
           </a:p>
@@ -2005,7 +2005,7 @@
           <a:p>
             <a:fld id="{7172D7DD-4C94-4601-9FB2-14EBDFE40896}" type="datetimeFigureOut">
               <a:rPr lang="ru-RU" smtClean="0"/>
-              <a:t>27.06.2024</a:t>
+              <a:t>29.06.2024</a:t>
             </a:fld>
             <a:endParaRPr lang="ru-RU"/>
           </a:p>
@@ -2107,7 +2107,7 @@
           <a:p>
             <a:fld id="{7172D7DD-4C94-4601-9FB2-14EBDFE40896}" type="datetimeFigureOut">
               <a:rPr lang="ru-RU" smtClean="0"/>
-              <a:t>27.06.2024</a:t>
+              <a:t>29.06.2024</a:t>
             </a:fld>
             <a:endParaRPr lang="ru-RU"/>
           </a:p>
@@ -2384,7 +2384,7 @@
           <a:p>
             <a:fld id="{7172D7DD-4C94-4601-9FB2-14EBDFE40896}" type="datetimeFigureOut">
               <a:rPr lang="ru-RU" smtClean="0"/>
-              <a:t>27.06.2024</a:t>
+              <a:t>29.06.2024</a:t>
             </a:fld>
             <a:endParaRPr lang="ru-RU"/>
           </a:p>
@@ -2648,7 +2648,7 @@
           <a:p>
             <a:fld id="{7172D7DD-4C94-4601-9FB2-14EBDFE40896}" type="datetimeFigureOut">
               <a:rPr lang="ru-RU" smtClean="0"/>
-              <a:t>27.06.2024</a:t>
+              <a:t>29.06.2024</a:t>
             </a:fld>
             <a:endParaRPr lang="ru-RU"/>
           </a:p>
@@ -2868,7 +2868,7 @@
           <a:p>
             <a:fld id="{7172D7DD-4C94-4601-9FB2-14EBDFE40896}" type="datetimeFigureOut">
               <a:rPr lang="ru-RU" smtClean="0"/>
-              <a:t>27.06.2024</a:t>
+              <a:t>29.06.2024</a:t>
             </a:fld>
             <a:endParaRPr lang="ru-RU"/>
           </a:p>
@@ -17478,7 +17478,7 @@
                 <a:effectLst/>
                 <a:latin typeface="Consolas" panose="020B0609020204030204" pitchFamily="49" charset="0"/>
               </a:rPr>
-              <a:t>PointR</a:t>
+              <a:t>Point</a:t>
             </a:r>
             <a:r>
               <a:rPr kumimoji="0" lang="ru-RU" altLang="ru-RU" sz="1600" b="0" i="0" u="none" strike="noStrike" cap="none" normalizeH="0" baseline="0" dirty="0" smtClean="0">
@@ -17491,7 +17491,20 @@
                 <a:effectLst/>
                 <a:latin typeface="Consolas" panose="020B0609020204030204" pitchFamily="49" charset="0"/>
               </a:rPr>
-              <a:t>(2, 4);</a:t>
+              <a:t>(2</a:t>
+            </a:r>
+            <a:r>
+              <a:rPr kumimoji="0" lang="ru-RU" altLang="ru-RU" sz="1600" b="0" i="0" u="none" strike="noStrike" cap="none" normalizeH="0" baseline="0" dirty="0" smtClean="0">
+                <a:ln>
+                  <a:noFill/>
+                </a:ln>
+                <a:solidFill>
+                  <a:srgbClr val="000000"/>
+                </a:solidFill>
+                <a:effectLst/>
+                <a:latin typeface="Consolas" panose="020B0609020204030204" pitchFamily="49" charset="0"/>
+              </a:rPr>
+              <a:t>, 4);</a:t>
             </a:r>
             <a:br>
               <a:rPr kumimoji="0" lang="ru-RU" altLang="ru-RU" sz="1600" b="0" i="0" u="none" strike="noStrike" cap="none" normalizeH="0" baseline="0" dirty="0" smtClean="0">
